--- a/figures/fringillidae-topologies/fringillidae-topology.pptx
+++ b/figures/fringillidae-topologies/fringillidae-topology.pptx
@@ -243,7 +243,7 @@
           <a:p>
             <a:fld id="{36D6B43A-FB72-2B4A-8DB0-B6C23179BADB}" type="datetimeFigureOut">
               <a:rPr lang="en-US" smtClean="0"/>
-              <a:t>5/26/22</a:t>
+              <a:t>5/19/23</a:t>
             </a:fld>
             <a:endParaRPr lang="en-US"/>
           </a:p>
@@ -413,7 +413,7 @@
           <a:p>
             <a:fld id="{36D6B43A-FB72-2B4A-8DB0-B6C23179BADB}" type="datetimeFigureOut">
               <a:rPr lang="en-US" smtClean="0"/>
-              <a:t>5/26/22</a:t>
+              <a:t>5/19/23</a:t>
             </a:fld>
             <a:endParaRPr lang="en-US"/>
           </a:p>
@@ -593,7 +593,7 @@
           <a:p>
             <a:fld id="{36D6B43A-FB72-2B4A-8DB0-B6C23179BADB}" type="datetimeFigureOut">
               <a:rPr lang="en-US" smtClean="0"/>
-              <a:t>5/26/22</a:t>
+              <a:t>5/19/23</a:t>
             </a:fld>
             <a:endParaRPr lang="en-US"/>
           </a:p>
@@ -763,7 +763,7 @@
           <a:p>
             <a:fld id="{36D6B43A-FB72-2B4A-8DB0-B6C23179BADB}" type="datetimeFigureOut">
               <a:rPr lang="en-US" smtClean="0"/>
-              <a:t>5/26/22</a:t>
+              <a:t>5/19/23</a:t>
             </a:fld>
             <a:endParaRPr lang="en-US"/>
           </a:p>
@@ -1009,7 +1009,7 @@
           <a:p>
             <a:fld id="{36D6B43A-FB72-2B4A-8DB0-B6C23179BADB}" type="datetimeFigureOut">
               <a:rPr lang="en-US" smtClean="0"/>
-              <a:t>5/26/22</a:t>
+              <a:t>5/19/23</a:t>
             </a:fld>
             <a:endParaRPr lang="en-US"/>
           </a:p>
@@ -1241,7 +1241,7 @@
           <a:p>
             <a:fld id="{36D6B43A-FB72-2B4A-8DB0-B6C23179BADB}" type="datetimeFigureOut">
               <a:rPr lang="en-US" smtClean="0"/>
-              <a:t>5/26/22</a:t>
+              <a:t>5/19/23</a:t>
             </a:fld>
             <a:endParaRPr lang="en-US"/>
           </a:p>
@@ -1608,7 +1608,7 @@
           <a:p>
             <a:fld id="{36D6B43A-FB72-2B4A-8DB0-B6C23179BADB}" type="datetimeFigureOut">
               <a:rPr lang="en-US" smtClean="0"/>
-              <a:t>5/26/22</a:t>
+              <a:t>5/19/23</a:t>
             </a:fld>
             <a:endParaRPr lang="en-US"/>
           </a:p>
@@ -1726,7 +1726,7 @@
           <a:p>
             <a:fld id="{36D6B43A-FB72-2B4A-8DB0-B6C23179BADB}" type="datetimeFigureOut">
               <a:rPr lang="en-US" smtClean="0"/>
-              <a:t>5/26/22</a:t>
+              <a:t>5/19/23</a:t>
             </a:fld>
             <a:endParaRPr lang="en-US"/>
           </a:p>
@@ -1821,7 +1821,7 @@
           <a:p>
             <a:fld id="{36D6B43A-FB72-2B4A-8DB0-B6C23179BADB}" type="datetimeFigureOut">
               <a:rPr lang="en-US" smtClean="0"/>
-              <a:t>5/26/22</a:t>
+              <a:t>5/19/23</a:t>
             </a:fld>
             <a:endParaRPr lang="en-US"/>
           </a:p>
@@ -2098,7 +2098,7 @@
           <a:p>
             <a:fld id="{36D6B43A-FB72-2B4A-8DB0-B6C23179BADB}" type="datetimeFigureOut">
               <a:rPr lang="en-US" smtClean="0"/>
-              <a:t>5/26/22</a:t>
+              <a:t>5/19/23</a:t>
             </a:fld>
             <a:endParaRPr lang="en-US"/>
           </a:p>
@@ -2355,7 +2355,7 @@
           <a:p>
             <a:fld id="{36D6B43A-FB72-2B4A-8DB0-B6C23179BADB}" type="datetimeFigureOut">
               <a:rPr lang="en-US" smtClean="0"/>
-              <a:t>5/26/22</a:t>
+              <a:t>5/19/23</a:t>
             </a:fld>
             <a:endParaRPr lang="en-US"/>
           </a:p>
@@ -2568,7 +2568,7 @@
           <a:p>
             <a:fld id="{36D6B43A-FB72-2B4A-8DB0-B6C23179BADB}" type="datetimeFigureOut">
               <a:rPr lang="en-US" smtClean="0"/>
-              <a:t>5/26/22</a:t>
+              <a:t>5/19/23</a:t>
             </a:fld>
             <a:endParaRPr lang="en-US"/>
           </a:p>
@@ -2975,10 +2975,10 @@
       </p:grpSpPr>
       <p:pic>
         <p:nvPicPr>
-          <p:cNvPr id="21" name="Picture 20">
+          <p:cNvPr id="9" name="Picture 8">
             <a:extLst>
               <a:ext uri="{FF2B5EF4-FFF2-40B4-BE49-F238E27FC236}">
-                <a16:creationId xmlns:a16="http://schemas.microsoft.com/office/drawing/2014/main" id="{97B0EE39-DC0E-FDE5-E8F7-77293BF9DBF7}"/>
+                <a16:creationId xmlns:a16="http://schemas.microsoft.com/office/drawing/2014/main" id="{50658F73-0E9D-29D8-0697-49BF8C944661}"/>
               </a:ext>
             </a:extLst>
           </p:cNvPr>
@@ -2995,20 +2995,55 @@
         </p:blipFill>
         <p:spPr>
           <a:xfrm>
-            <a:off x="10028415" y="-335144"/>
-            <a:ext cx="4919454" cy="9838908"/>
+            <a:off x="-756439" y="-69092"/>
+            <a:ext cx="10988040" cy="9418320"/>
           </a:xfrm>
           <a:prstGeom prst="rect">
             <a:avLst/>
           </a:prstGeom>
         </p:spPr>
       </p:pic>
+      <p:sp>
+        <p:nvSpPr>
+          <p:cNvPr id="4" name="TextBox 3">
+            <a:extLst>
+              <a:ext uri="{FF2B5EF4-FFF2-40B4-BE49-F238E27FC236}">
+                <a16:creationId xmlns:a16="http://schemas.microsoft.com/office/drawing/2014/main" id="{91AC1615-EDEE-F36B-6B02-E45B0001FAEF}"/>
+              </a:ext>
+            </a:extLst>
+          </p:cNvPr>
+          <p:cNvSpPr txBox="1"/>
+          <p:nvPr/>
+        </p:nvSpPr>
+        <p:spPr>
+          <a:xfrm>
+            <a:off x="348060" y="0"/>
+            <a:ext cx="10035801" cy="707886"/>
+          </a:xfrm>
+          <a:prstGeom prst="rect">
+            <a:avLst/>
+          </a:prstGeom>
+          <a:noFill/>
+        </p:spPr>
+        <p:txBody>
+          <a:bodyPr wrap="square" rtlCol="0">
+            <a:spAutoFit/>
+          </a:bodyPr>
+          <a:lstStyle/>
+          <a:p>
+            <a:r>
+              <a:rPr lang="en-US" sz="4000" dirty="0"/>
+              <a:t>a)                                                                        b)</a:t>
+            </a:r>
+          </a:p>
+        </p:txBody>
+      </p:sp>
       <p:pic>
         <p:nvPicPr>
-          <p:cNvPr id="3" name="Picture 2">
+          <p:cNvPr id="6" name="Picture 5">
             <a:extLst>
               <a:ext uri="{FF2B5EF4-FFF2-40B4-BE49-F238E27FC236}">
-                <a16:creationId xmlns:a16="http://schemas.microsoft.com/office/drawing/2014/main" id="{ED3C24CC-CCF0-C6E8-DC83-DC42F90CA1B4}"/>
+                <a16:creationId xmlns:a16="http://schemas.microsoft.com/office/drawing/2014/main" id="{F1BD7587-173D-79E6-5257-20EF079DEDD1}"/>
               </a:ext>
             </a:extLst>
           </p:cNvPr>
@@ -3025,49 +3060,14 @@
         </p:blipFill>
         <p:spPr>
           <a:xfrm>
-            <a:off x="-790455" y="-35339"/>
-            <a:ext cx="10881360" cy="9326880"/>
+            <a:off x="9422969" y="-347844"/>
+            <a:ext cx="5997844" cy="9838944"/>
           </a:xfrm>
           <a:prstGeom prst="rect">
             <a:avLst/>
           </a:prstGeom>
         </p:spPr>
       </p:pic>
-      <p:sp>
-        <p:nvSpPr>
-          <p:cNvPr id="4" name="TextBox 3">
-            <a:extLst>
-              <a:ext uri="{FF2B5EF4-FFF2-40B4-BE49-F238E27FC236}">
-                <a16:creationId xmlns:a16="http://schemas.microsoft.com/office/drawing/2014/main" id="{91AC1615-EDEE-F36B-6B02-E45B0001FAEF}"/>
-              </a:ext>
-            </a:extLst>
-          </p:cNvPr>
-          <p:cNvSpPr txBox="1"/>
-          <p:nvPr/>
-        </p:nvSpPr>
-        <p:spPr>
-          <a:xfrm>
-            <a:off x="164892" y="269823"/>
-            <a:ext cx="9727343" cy="707886"/>
-          </a:xfrm>
-          <a:prstGeom prst="rect">
-            <a:avLst/>
-          </a:prstGeom>
-          <a:noFill/>
-        </p:spPr>
-        <p:txBody>
-          <a:bodyPr wrap="none" rtlCol="0">
-            <a:spAutoFit/>
-          </a:bodyPr>
-          <a:lstStyle/>
-          <a:p>
-            <a:r>
-              <a:rPr lang="en-US" sz="4000" dirty="0"/>
-              <a:t>A)                                                                           B)</a:t>
-            </a:r>
-          </a:p>
-        </p:txBody>
-      </p:sp>
     </p:spTree>
     <p:extLst>
       <p:ext uri="{BB962C8B-B14F-4D97-AF65-F5344CB8AC3E}">
